--- a/journal club 7.pptx
+++ b/journal club 7.pptx
@@ -118,6 +118,11 @@
       </a:defRPr>
     </a:lvl9pPr>
   </p:defaultTextStyle>
+  <p:extLst>
+    <p:ext uri="{EFAFB233-063F-42B5-8137-9DF3F51BA10A}">
+      <p15:sldGuideLst xmlns:p15="http://schemas.microsoft.com/office/powerpoint/2012/main"/>
+    </p:ext>
+  </p:extLst>
 </p:presentation>
 </file>
 
@@ -4194,15 +4199,7 @@
           <a:p>
             <a:r>
               <a:rPr lang="en-US" dirty="0"/>
-              <a:t>It shows that </a:t>
-            </a:r>
-            <a:r>
-              <a:rPr lang="en-US" dirty="0" err="1"/>
-              <a:t>Deeplearing</a:t>
-            </a:r>
-            <a:r>
-              <a:rPr lang="en-US" dirty="0"/>
-              <a:t> conv2d model could predict both QC and SDC in 2D map, with only initial frame given.</a:t>
+              <a:t>It shows that Deep learning conv2d model could predict both QP and SDC in 2D map, with only initial frame given.</a:t>
             </a:r>
           </a:p>
           <a:p>
@@ -4579,8 +4576,8 @@
         </p:blipFill>
         <p:spPr>
           <a:xfrm>
-            <a:off x="8198375" y="5679"/>
-            <a:ext cx="3993625" cy="1595069"/>
+            <a:off x="7740651" y="5679"/>
+            <a:ext cx="4451350" cy="1777886"/>
           </a:xfrm>
           <a:prstGeom prst="rect">
             <a:avLst/>
@@ -4833,6 +4830,63 @@
         <p:spPr>
           <a:xfrm>
             <a:off x="7127497" y="5504367"/>
+            <a:ext cx="500610" cy="98766"/>
+          </a:xfrm>
+          <a:prstGeom prst="rightArrow">
+            <a:avLst>
+              <a:gd name="adj1" fmla="val 28497"/>
+              <a:gd name="adj2" fmla="val 69382"/>
+            </a:avLst>
+          </a:prstGeom>
+          <a:solidFill>
+            <a:schemeClr val="tx1"/>
+          </a:solidFill>
+          <a:ln>
+            <a:solidFill>
+              <a:schemeClr val="tx1"/>
+            </a:solidFill>
+          </a:ln>
+        </p:spPr>
+        <p:style>
+          <a:lnRef idx="2">
+            <a:schemeClr val="accent1">
+              <a:shade val="15000"/>
+            </a:schemeClr>
+          </a:lnRef>
+          <a:fillRef idx="1">
+            <a:schemeClr val="accent1"/>
+          </a:fillRef>
+          <a:effectRef idx="0">
+            <a:schemeClr val="accent1"/>
+          </a:effectRef>
+          <a:fontRef idx="minor">
+            <a:schemeClr val="lt1"/>
+          </a:fontRef>
+        </p:style>
+        <p:txBody>
+          <a:bodyPr rtlCol="0" anchor="ctr"/>
+          <a:lstStyle/>
+          <a:p>
+            <a:pPr algn="ctr"/>
+            <a:endParaRPr lang="en-US" sz="1290"/>
+          </a:p>
+        </p:txBody>
+      </p:sp>
+      <p:sp>
+        <p:nvSpPr>
+          <p:cNvPr id="4" name="Arrow: Right 10">
+            <a:extLst>
+              <a:ext uri="{FF2B5EF4-FFF2-40B4-BE49-F238E27FC236}">
+                <a16:creationId xmlns:a16="http://schemas.microsoft.com/office/drawing/2014/main" id="{3EF29E12-2B89-2D10-FE5A-9FD04B477958}"/>
+              </a:ext>
+            </a:extLst>
+          </p:cNvPr>
+          <p:cNvSpPr/>
+          <p:nvPr/>
+        </p:nvSpPr>
+        <p:spPr>
+          <a:xfrm>
+            <a:off x="7311647" y="4449826"/>
             <a:ext cx="500610" cy="98766"/>
           </a:xfrm>
           <a:prstGeom prst="rightArrow">
@@ -5730,8 +5784,8 @@
           </a:p>
         </p:txBody>
       </p:sp>
-      <mc:AlternateContent xmlns:mc="http://schemas.openxmlformats.org/markup-compatibility/2006">
-        <mc:Choice xmlns:a14="http://schemas.microsoft.com/office/drawing/2010/main" Requires="a14">
+      <mc:AlternateContent xmlns:mc="http://schemas.openxmlformats.org/markup-compatibility/2006" xmlns:a14="http://schemas.microsoft.com/office/drawing/2010/main">
+        <mc:Choice Requires="a14">
           <p:sp>
             <p:nvSpPr>
               <p:cNvPr id="3" name="Content Placeholder 2">
@@ -5887,7 +5941,7 @@
             </p:txBody>
           </p:sp>
         </mc:Choice>
-        <mc:Fallback>
+        <mc:Fallback xmlns="">
           <p:sp>
             <p:nvSpPr>
               <p:cNvPr id="3" name="Content Placeholder 2">
